--- a/Updates.pptx
+++ b/Updates.pptx
@@ -3592,8 +3592,12 @@
               <a:t>Anders </a:t>
             </a:r>
             <a:r>
-              <a:rPr lang="en-GB" smtClean="0"/>
-              <a:t>Teigland, </a:t>
+              <a:rPr lang="en-GB" dirty="0" err="1" smtClean="0"/>
+              <a:t>Teigland</a:t>
+            </a:r>
+            <a:r>
+              <a:rPr lang="en-GB" dirty="0" smtClean="0"/>
+              <a:t>, </a:t>
             </a:r>
             <a:r>
               <a:rPr lang="en-GB" dirty="0" err="1" smtClean="0"/>

--- a/Updates.pptx
+++ b/Updates.pptx
@@ -5,15 +5,18 @@
     <p:sldMasterId id="2147483648" r:id="rId1"/>
   </p:sldMasterIdLst>
   <p:notesMasterIdLst>
-    <p:notesMasterId r:id="rId8"/>
+    <p:notesMasterId r:id="rId11"/>
   </p:notesMasterIdLst>
   <p:sldIdLst>
     <p:sldId id="257" r:id="rId2"/>
     <p:sldId id="260" r:id="rId3"/>
-    <p:sldId id="256" r:id="rId4"/>
-    <p:sldId id="258" r:id="rId5"/>
-    <p:sldId id="261" r:id="rId6"/>
-    <p:sldId id="259" r:id="rId7"/>
+    <p:sldId id="262" r:id="rId4"/>
+    <p:sldId id="256" r:id="rId5"/>
+    <p:sldId id="258" r:id="rId6"/>
+    <p:sldId id="263" r:id="rId7"/>
+    <p:sldId id="264" r:id="rId8"/>
+    <p:sldId id="259" r:id="rId9"/>
+    <p:sldId id="261" r:id="rId10"/>
   </p:sldIdLst>
   <p:sldSz cx="9144000" cy="6858000" type="screen4x3"/>
   <p:notesSz cx="6858000" cy="9144000"/>
@@ -213,7 +216,7 @@
           <a:p>
             <a:fld id="{20A838F2-0DB5-4847-9AF9-1095C74E2454}" type="datetimeFigureOut">
               <a:rPr lang="en-GB" smtClean="0"/>
-              <a:t>02/04/2013</a:t>
+              <a:t>18/04/2013</a:t>
             </a:fld>
             <a:endParaRPr lang="en-GB"/>
           </a:p>
@@ -546,7 +549,7 @@
           <a:p>
             <a:fld id="{13EE93C9-1005-4843-A162-BB4AA78A84A1}" type="slidenum">
               <a:rPr lang="en-GB" smtClean="0"/>
-              <a:t>3</a:t>
+              <a:t>4</a:t>
             </a:fld>
             <a:endParaRPr lang="en-GB"/>
           </a:p>
@@ -746,7 +749,7 @@
           <a:p>
             <a:fld id="{ED0CFE8B-17DA-48F8-9E94-FA741C477D42}" type="datetimeFigureOut">
               <a:rPr lang="en-GB" smtClean="0"/>
-              <a:t>02/04/2013</a:t>
+              <a:t>18/04/2013</a:t>
             </a:fld>
             <a:endParaRPr lang="en-GB"/>
           </a:p>
@@ -916,7 +919,7 @@
           <a:p>
             <a:fld id="{ED0CFE8B-17DA-48F8-9E94-FA741C477D42}" type="datetimeFigureOut">
               <a:rPr lang="en-GB" smtClean="0"/>
-              <a:t>02/04/2013</a:t>
+              <a:t>18/04/2013</a:t>
             </a:fld>
             <a:endParaRPr lang="en-GB"/>
           </a:p>
@@ -1096,7 +1099,7 @@
           <a:p>
             <a:fld id="{ED0CFE8B-17DA-48F8-9E94-FA741C477D42}" type="datetimeFigureOut">
               <a:rPr lang="en-GB" smtClean="0"/>
-              <a:t>02/04/2013</a:t>
+              <a:t>18/04/2013</a:t>
             </a:fld>
             <a:endParaRPr lang="en-GB"/>
           </a:p>
@@ -1266,7 +1269,7 @@
           <a:p>
             <a:fld id="{ED0CFE8B-17DA-48F8-9E94-FA741C477D42}" type="datetimeFigureOut">
               <a:rPr lang="en-GB" smtClean="0"/>
-              <a:t>02/04/2013</a:t>
+              <a:t>18/04/2013</a:t>
             </a:fld>
             <a:endParaRPr lang="en-GB"/>
           </a:p>
@@ -1512,7 +1515,7 @@
           <a:p>
             <a:fld id="{ED0CFE8B-17DA-48F8-9E94-FA741C477D42}" type="datetimeFigureOut">
               <a:rPr lang="en-GB" smtClean="0"/>
-              <a:t>02/04/2013</a:t>
+              <a:t>18/04/2013</a:t>
             </a:fld>
             <a:endParaRPr lang="en-GB"/>
           </a:p>
@@ -1800,7 +1803,7 @@
           <a:p>
             <a:fld id="{ED0CFE8B-17DA-48F8-9E94-FA741C477D42}" type="datetimeFigureOut">
               <a:rPr lang="en-GB" smtClean="0"/>
-              <a:t>02/04/2013</a:t>
+              <a:t>18/04/2013</a:t>
             </a:fld>
             <a:endParaRPr lang="en-GB"/>
           </a:p>
@@ -2222,7 +2225,7 @@
           <a:p>
             <a:fld id="{ED0CFE8B-17DA-48F8-9E94-FA741C477D42}" type="datetimeFigureOut">
               <a:rPr lang="en-GB" smtClean="0"/>
-              <a:t>02/04/2013</a:t>
+              <a:t>18/04/2013</a:t>
             </a:fld>
             <a:endParaRPr lang="en-GB"/>
           </a:p>
@@ -2340,7 +2343,7 @@
           <a:p>
             <a:fld id="{ED0CFE8B-17DA-48F8-9E94-FA741C477D42}" type="datetimeFigureOut">
               <a:rPr lang="en-GB" smtClean="0"/>
-              <a:t>02/04/2013</a:t>
+              <a:t>18/04/2013</a:t>
             </a:fld>
             <a:endParaRPr lang="en-GB"/>
           </a:p>
@@ -2435,7 +2438,7 @@
           <a:p>
             <a:fld id="{ED0CFE8B-17DA-48F8-9E94-FA741C477D42}" type="datetimeFigureOut">
               <a:rPr lang="en-GB" smtClean="0"/>
-              <a:t>02/04/2013</a:t>
+              <a:t>18/04/2013</a:t>
             </a:fld>
             <a:endParaRPr lang="en-GB"/>
           </a:p>
@@ -2712,7 +2715,7 @@
           <a:p>
             <a:fld id="{ED0CFE8B-17DA-48F8-9E94-FA741C477D42}" type="datetimeFigureOut">
               <a:rPr lang="en-GB" smtClean="0"/>
-              <a:t>02/04/2013</a:t>
+              <a:t>18/04/2013</a:t>
             </a:fld>
             <a:endParaRPr lang="en-GB"/>
           </a:p>
@@ -2965,7 +2968,7 @@
           <a:p>
             <a:fld id="{ED0CFE8B-17DA-48F8-9E94-FA741C477D42}" type="datetimeFigureOut">
               <a:rPr lang="en-GB" smtClean="0"/>
-              <a:t>02/04/2013</a:t>
+              <a:t>18/04/2013</a:t>
             </a:fld>
             <a:endParaRPr lang="en-GB"/>
           </a:p>
@@ -3178,7 +3181,7 @@
           <a:p>
             <a:fld id="{ED0CFE8B-17DA-48F8-9E94-FA741C477D42}" type="datetimeFigureOut">
               <a:rPr lang="en-GB" smtClean="0"/>
-              <a:t>02/04/2013</a:t>
+              <a:t>18/04/2013</a:t>
             </a:fld>
             <a:endParaRPr lang="en-GB"/>
           </a:p>
@@ -3589,59 +3592,7 @@
             <a:pPr algn="ctr"/>
             <a:r>
               <a:rPr lang="en-GB" dirty="0" smtClean="0"/>
-              <a:t>Anders </a:t>
-            </a:r>
-            <a:r>
-              <a:rPr lang="en-GB" dirty="0" err="1" smtClean="0"/>
-              <a:t>Teigland</a:t>
-            </a:r>
-            <a:r>
-              <a:rPr lang="en-GB" dirty="0" smtClean="0"/>
-              <a:t>, </a:t>
-            </a:r>
-            <a:r>
-              <a:rPr lang="en-GB" dirty="0" err="1" smtClean="0"/>
-              <a:t>Alexandre</a:t>
-            </a:r>
-            <a:r>
-              <a:rPr lang="en-GB" dirty="0" smtClean="0"/>
-              <a:t> </a:t>
-            </a:r>
-            <a:r>
-              <a:rPr lang="en-GB" dirty="0" err="1" smtClean="0"/>
-              <a:t>Khaldi</a:t>
-            </a:r>
-            <a:r>
-              <a:rPr lang="en-GB" dirty="0" smtClean="0"/>
-              <a:t>, Patrick </a:t>
-            </a:r>
-            <a:r>
-              <a:rPr lang="en-GB" dirty="0" err="1" smtClean="0"/>
-              <a:t>Beldon</a:t>
-            </a:r>
-            <a:r>
-              <a:rPr lang="en-GB" dirty="0" smtClean="0"/>
-              <a:t>, Tony </a:t>
-            </a:r>
-            <a:r>
-              <a:rPr lang="en-GB" dirty="0" err="1" smtClean="0"/>
-              <a:t>Cheetham</a:t>
-            </a:r>
-            <a:r>
-              <a:rPr lang="en-GB" dirty="0" smtClean="0"/>
-              <a:t>, </a:t>
-            </a:r>
-            <a:r>
-              <a:rPr lang="en-GB" dirty="0" err="1" smtClean="0"/>
-              <a:t>Stoyan</a:t>
-            </a:r>
-            <a:r>
-              <a:rPr lang="en-GB" dirty="0" smtClean="0"/>
-              <a:t> </a:t>
-            </a:r>
-            <a:r>
-              <a:rPr lang="en-GB" dirty="0" err="1" smtClean="0"/>
-              <a:t>Smoukov</a:t>
+              <a:t>Anders Teigland, Alexandre Khaldi, Patrick Beldon, Tony Cheetham, Stoyan Smoukov</a:t>
             </a:r>
             <a:endParaRPr lang="en-GB" dirty="0"/>
           </a:p>
@@ -3707,6 +3658,84 @@
           <a:chExt cx="0" cy="0"/>
         </a:xfrm>
       </p:grpSpPr>
+      <p:sp>
+        <p:nvSpPr>
+          <p:cNvPr id="2" name="Title 1"/>
+          <p:cNvSpPr>
+            <a:spLocks noGrp="1"/>
+          </p:cNvSpPr>
+          <p:nvPr>
+            <p:ph type="title"/>
+          </p:nvPr>
+        </p:nvSpPr>
+        <p:spPr/>
+        <p:txBody>
+          <a:bodyPr/>
+          <a:lstStyle/>
+          <a:p>
+            <a:r>
+              <a:rPr lang="nb-NO" dirty="0" err="1" smtClean="0"/>
+              <a:t>Aim</a:t>
+            </a:r>
+            <a:endParaRPr lang="nb-NO" dirty="0"/>
+          </a:p>
+        </p:txBody>
+      </p:sp>
+      <p:sp>
+        <p:nvSpPr>
+          <p:cNvPr id="3" name="Content Placeholder 2"/>
+          <p:cNvSpPr>
+            <a:spLocks noGrp="1"/>
+          </p:cNvSpPr>
+          <p:nvPr>
+            <p:ph idx="1"/>
+          </p:nvPr>
+        </p:nvSpPr>
+        <p:spPr/>
+        <p:txBody>
+          <a:bodyPr/>
+          <a:lstStyle/>
+          <a:p>
+            <a:r>
+              <a:rPr lang="en-GB" dirty="0" smtClean="0"/>
+              <a:t>Improve</a:t>
+            </a:r>
+            <a:r>
+              <a:rPr lang="nb-NO" dirty="0" smtClean="0"/>
+              <a:t> </a:t>
+            </a:r>
+            <a:r>
+              <a:rPr lang="en-GB" dirty="0" smtClean="0"/>
+              <a:t>mechanical</a:t>
+            </a:r>
+            <a:r>
+              <a:rPr lang="nb-NO" dirty="0" smtClean="0"/>
+              <a:t> </a:t>
+            </a:r>
+            <a:r>
+              <a:rPr lang="en-GB" dirty="0" smtClean="0"/>
+              <a:t>stability</a:t>
+            </a:r>
+          </a:p>
+          <a:p>
+            <a:r>
+              <a:rPr lang="en-GB" dirty="0" smtClean="0"/>
+              <a:t>Scalable</a:t>
+            </a:r>
+            <a:r>
+              <a:rPr lang="nb-NO" dirty="0" smtClean="0"/>
+              <a:t> </a:t>
+            </a:r>
+            <a:r>
+              <a:rPr lang="en-GB" dirty="0" smtClean="0"/>
+              <a:t>synthesis</a:t>
+            </a:r>
+          </a:p>
+          <a:p>
+            <a:endParaRPr lang="nb-NO" dirty="0"/>
+          </a:p>
+        </p:txBody>
+      </p:sp>
     </p:spTree>
     <p:extLst>
       <p:ext uri="{BB962C8B-B14F-4D97-AF65-F5344CB8AC3E}">
@@ -3717,10 +3746,140 @@
   <p:clrMapOvr>
     <a:masterClrMapping/>
   </p:clrMapOvr>
+  <p:timing>
+    <p:tnLst>
+      <p:par>
+        <p:cTn id="1" dur="indefinite" restart="never" nodeType="tmRoot"/>
+      </p:par>
+    </p:tnLst>
+  </p:timing>
 </p:sld>
 </file>
 
 <file path=ppt/slides/slide3.xml><?xml version="1.0" encoding="utf-8"?>
+<p:sld xmlns:a="http://schemas.openxmlformats.org/drawingml/2006/main" xmlns:r="http://schemas.openxmlformats.org/officeDocument/2006/relationships" xmlns:p="http://schemas.openxmlformats.org/presentationml/2006/main">
+  <p:cSld>
+    <p:spTree>
+      <p:nvGrpSpPr>
+        <p:cNvPr id="1" name=""/>
+        <p:cNvGrpSpPr/>
+        <p:nvPr/>
+      </p:nvGrpSpPr>
+      <p:grpSpPr>
+        <a:xfrm>
+          <a:off x="0" y="0"/>
+          <a:ext cx="0" cy="0"/>
+          <a:chOff x="0" y="0"/>
+          <a:chExt cx="0" cy="0"/>
+        </a:xfrm>
+      </p:grpSpPr>
+      <p:sp>
+        <p:nvSpPr>
+          <p:cNvPr id="2" name="Title 1"/>
+          <p:cNvSpPr>
+            <a:spLocks noGrp="1"/>
+          </p:cNvSpPr>
+          <p:nvPr>
+            <p:ph type="title"/>
+          </p:nvPr>
+        </p:nvSpPr>
+        <p:spPr/>
+        <p:txBody>
+          <a:bodyPr/>
+          <a:lstStyle/>
+          <a:p>
+            <a:r>
+              <a:rPr lang="en-GB" dirty="0" smtClean="0"/>
+              <a:t>Background</a:t>
+            </a:r>
+            <a:endParaRPr lang="en-GB" dirty="0"/>
+          </a:p>
+        </p:txBody>
+      </p:sp>
+      <p:sp>
+        <p:nvSpPr>
+          <p:cNvPr id="3" name="Content Placeholder 2"/>
+          <p:cNvSpPr>
+            <a:spLocks noGrp="1"/>
+          </p:cNvSpPr>
+          <p:nvPr>
+            <p:ph idx="1"/>
+          </p:nvPr>
+        </p:nvSpPr>
+        <p:spPr/>
+        <p:txBody>
+          <a:bodyPr/>
+          <a:lstStyle/>
+          <a:p>
+            <a:r>
+              <a:rPr lang="en-GB" dirty="0" smtClean="0"/>
+              <a:t>ZIFS</a:t>
+            </a:r>
+          </a:p>
+          <a:p>
+            <a:pPr lvl="1"/>
+            <a:r>
+              <a:rPr lang="en-GB" dirty="0" smtClean="0"/>
+              <a:t>High surface area</a:t>
+            </a:r>
+          </a:p>
+          <a:p>
+            <a:pPr lvl="1"/>
+            <a:r>
+              <a:rPr lang="en-GB" dirty="0" smtClean="0"/>
+              <a:t>Thermally and chemically stable</a:t>
+            </a:r>
+          </a:p>
+          <a:p>
+            <a:pPr lvl="1"/>
+            <a:r>
+              <a:rPr lang="en-GB" dirty="0" smtClean="0"/>
+              <a:t>Low shear modulus</a:t>
+            </a:r>
+          </a:p>
+          <a:p>
+            <a:r>
+              <a:rPr lang="en-GB" dirty="0" smtClean="0"/>
+              <a:t>Polymer composite</a:t>
+            </a:r>
+          </a:p>
+          <a:p>
+            <a:pPr lvl="1"/>
+            <a:r>
+              <a:rPr lang="en-GB" dirty="0" smtClean="0"/>
+              <a:t>Mainly membranes</a:t>
+            </a:r>
+          </a:p>
+          <a:p>
+            <a:pPr lvl="1"/>
+            <a:r>
+              <a:rPr lang="en-GB" dirty="0" smtClean="0"/>
+              <a:t>Improves mechanical properties and separation properties</a:t>
+            </a:r>
+          </a:p>
+        </p:txBody>
+      </p:sp>
+    </p:spTree>
+    <p:extLst>
+      <p:ext uri="{BB962C8B-B14F-4D97-AF65-F5344CB8AC3E}">
+        <p14:creationId xmlns:p14="http://schemas.microsoft.com/office/powerpoint/2010/main" val="3163112837"/>
+      </p:ext>
+    </p:extLst>
+  </p:cSld>
+  <p:clrMapOvr>
+    <a:masterClrMapping/>
+  </p:clrMapOvr>
+  <p:timing>
+    <p:tnLst>
+      <p:par>
+        <p:cTn id="1" dur="indefinite" restart="never" nodeType="tmRoot"/>
+      </p:par>
+    </p:tnLst>
+  </p:timing>
+</p:sld>
+</file>
+
+<file path=ppt/slides/slide4.xml><?xml version="1.0" encoding="utf-8"?>
 <p:sld xmlns:a="http://schemas.openxmlformats.org/drawingml/2006/main" xmlns:r="http://schemas.openxmlformats.org/officeDocument/2006/relationships" xmlns:p="http://schemas.openxmlformats.org/presentationml/2006/main">
   <p:cSld>
     <p:spTree>
@@ -3894,7 +4053,7 @@
           <a:lstStyle/>
           <a:p>
             <a:pPr algn="ctr"/>
-            <a:endParaRPr lang="en-GB"/>
+            <a:endParaRPr lang="en-GB" dirty="0"/>
           </a:p>
         </p:txBody>
       </p:sp>
@@ -3942,7 +4101,7 @@
           <a:lstStyle/>
           <a:p>
             <a:pPr algn="ctr"/>
-            <a:endParaRPr lang="en-GB"/>
+            <a:endParaRPr lang="en-GB" dirty="0"/>
           </a:p>
         </p:txBody>
       </p:sp>
@@ -4068,7 +4227,7 @@
           <a:lstStyle/>
           <a:p>
             <a:pPr algn="ctr"/>
-            <a:endParaRPr lang="en-GB"/>
+            <a:endParaRPr lang="en-GB" dirty="0"/>
           </a:p>
         </p:txBody>
       </p:sp>
@@ -4094,12 +4253,8 @@
           <a:lstStyle/>
           <a:p>
             <a:r>
-              <a:rPr lang="en-GB" dirty="0" err="1"/>
-              <a:t>trimesic</a:t>
-            </a:r>
-            <a:r>
               <a:rPr lang="en-GB" dirty="0"/>
-              <a:t> acid </a:t>
+              <a:t>trimesic acid </a:t>
             </a:r>
           </a:p>
         </p:txBody>
@@ -4240,55 +4395,41 @@
                 <a:effectLst/>
                 <a:latin typeface="Arial"/>
               </a:rPr>
-              <a:t>Patrick J. </a:t>
+              <a:t>Patrick J. Beldon, </a:t>
             </a:r>
             <a:r>
               <a:rPr lang="en-GB" dirty="0" err="1" smtClean="0">
                 <a:effectLst/>
                 <a:latin typeface="Arial"/>
               </a:rPr>
-              <a:t>Beldon</a:t>
-            </a:r>
-            <a:r>
-              <a:rPr lang="en-GB" dirty="0" smtClean="0">
-                <a:effectLst/>
-                <a:latin typeface="Arial"/>
-              </a:rPr>
-              <a:t>, </a:t>
+              <a:t>Lszl</a:t>
+            </a:r>
+            <a:r>
+              <a:rPr lang="en-GB" dirty="0" smtClean="0">
+                <a:effectLst/>
+                <a:latin typeface="Arial"/>
+              </a:rPr>
+              <a:t> </a:t>
             </a:r>
             <a:r>
               <a:rPr lang="en-GB" dirty="0" err="1" smtClean="0">
                 <a:effectLst/>
                 <a:latin typeface="Arial"/>
               </a:rPr>
-              <a:t>Lszl</a:t>
-            </a:r>
-            <a:r>
-              <a:rPr lang="en-GB" dirty="0" smtClean="0">
-                <a:effectLst/>
-                <a:latin typeface="Arial"/>
-              </a:rPr>
-              <a:t> </a:t>
+              <a:t>Fbin</a:t>
+            </a:r>
+            <a:r>
+              <a:rPr lang="en-GB" dirty="0" smtClean="0">
+                <a:effectLst/>
+                <a:latin typeface="Arial"/>
+              </a:rPr>
+              <a:t>, Robin S. Stein, A. </a:t>
             </a:r>
             <a:r>
               <a:rPr lang="en-GB" dirty="0" err="1" smtClean="0">
                 <a:effectLst/>
                 <a:latin typeface="Arial"/>
               </a:rPr>
-              <a:t>Fbin</a:t>
-            </a:r>
-            <a:r>
-              <a:rPr lang="en-GB" dirty="0" smtClean="0">
-                <a:effectLst/>
-                <a:latin typeface="Arial"/>
-              </a:rPr>
-              <a:t>, Robin S. Stein, A. </a:t>
-            </a:r>
-            <a:r>
-              <a:rPr lang="en-GB" dirty="0" err="1" smtClean="0">
-                <a:effectLst/>
-                <a:latin typeface="Arial"/>
-              </a:rPr>
               <a:t>Thirumurugan</a:t>
             </a:r>
             <a:r>
@@ -4296,21 +4437,7 @@
                 <a:effectLst/>
                 <a:latin typeface="Arial"/>
               </a:rPr>
-              <a:t>, Anthony K. </a:t>
-            </a:r>
-            <a:r>
-              <a:rPr lang="en-GB" dirty="0" err="1" smtClean="0">
-                <a:effectLst/>
-                <a:latin typeface="Arial"/>
-              </a:rPr>
-              <a:t>Cheetham</a:t>
-            </a:r>
-            <a:r>
-              <a:rPr lang="en-GB" dirty="0" smtClean="0">
-                <a:effectLst/>
-                <a:latin typeface="Arial"/>
-              </a:rPr>
-              <a:t>, and</a:t>
+              <a:t>, Anthony K. Cheetham, and</a:t>
             </a:r>
           </a:p>
           <a:p>
@@ -5741,21 +5868,7 @@
                 <a:effectLst/>
                 <a:latin typeface="Arial"/>
               </a:rPr>
-              <a:t>[*] P. J. </a:t>
-            </a:r>
-            <a:r>
-              <a:rPr lang="en-GB" dirty="0" err="1" smtClean="0">
-                <a:effectLst/>
-                <a:latin typeface="Arial"/>
-              </a:rPr>
-              <a:t>Beldon</a:t>
-            </a:r>
-            <a:r>
-              <a:rPr lang="en-GB" dirty="0" smtClean="0">
-                <a:effectLst/>
-                <a:latin typeface="Arial"/>
-              </a:rPr>
-              <a:t>, </a:t>
+              <a:t>[*] P. J. Beldon, </a:t>
             </a:r>
             <a:r>
               <a:rPr lang="en-GB" dirty="0" err="1" smtClean="0">
@@ -5984,19 +6097,8 @@
                 <a:effectLst/>
                 <a:latin typeface="Arial"/>
               </a:rPr>
-              <a:t> A. K. </a:t>
-            </a:r>
-            <a:r>
-              <a:rPr lang="en-GB" dirty="0" err="1" smtClean="0">
-                <a:effectLst/>
-                <a:latin typeface="Arial"/>
-              </a:rPr>
-              <a:t>Cheetham</a:t>
-            </a:r>
-            <a:endParaRPr lang="en-GB" dirty="0" smtClean="0">
-              <a:effectLst/>
-              <a:latin typeface="Arial"/>
-            </a:endParaRPr>
+              <a:t> A. K. Cheetham</a:t>
+            </a:r>
           </a:p>
           <a:p>
             <a:r>
@@ -6283,6 +6385,30 @@
           </a:p>
         </p:txBody>
       </p:sp>
+      <p:pic>
+        <p:nvPicPr>
+          <p:cNvPr id="2" name="Picture 1"/>
+          <p:cNvPicPr>
+            <a:picLocks noChangeAspect="1"/>
+          </p:cNvPicPr>
+          <p:nvPr/>
+        </p:nvPicPr>
+        <p:blipFill>
+          <a:blip r:embed="rId4"/>
+          <a:stretch>
+            <a:fillRect/>
+          </a:stretch>
+        </p:blipFill>
+        <p:spPr>
+          <a:xfrm>
+            <a:off x="1382536" y="3911287"/>
+            <a:ext cx="2400300" cy="2305050"/>
+          </a:xfrm>
+          <a:prstGeom prst="rect">
+            <a:avLst/>
+          </a:prstGeom>
+        </p:spPr>
+      </p:pic>
     </p:spTree>
     <p:extLst>
       <p:ext uri="{BB962C8B-B14F-4D97-AF65-F5344CB8AC3E}">
@@ -6293,107 +6419,13 @@
   <p:clrMapOvr>
     <a:masterClrMapping/>
   </p:clrMapOvr>
-</p:sld>
-</file>
-
-<file path=ppt/slides/slide4.xml><?xml version="1.0" encoding="utf-8"?>
-<p:sld xmlns:a="http://schemas.openxmlformats.org/drawingml/2006/main" xmlns:r="http://schemas.openxmlformats.org/officeDocument/2006/relationships" xmlns:p="http://schemas.openxmlformats.org/presentationml/2006/main">
-  <p:cSld>
-    <p:spTree>
-      <p:nvGrpSpPr>
-        <p:cNvPr id="1" name=""/>
-        <p:cNvGrpSpPr/>
-        <p:nvPr/>
-      </p:nvGrpSpPr>
-      <p:grpSpPr>
-        <a:xfrm>
-          <a:off x="0" y="0"/>
-          <a:ext cx="0" cy="0"/>
-          <a:chOff x="0" y="0"/>
-          <a:chExt cx="0" cy="0"/>
-        </a:xfrm>
-      </p:grpSpPr>
-      <p:sp>
-        <p:nvSpPr>
-          <p:cNvPr id="2" name="TextBox 1"/>
-          <p:cNvSpPr txBox="1"/>
-          <p:nvPr/>
-        </p:nvSpPr>
-        <p:spPr>
-          <a:xfrm>
-            <a:off x="1547664" y="2132856"/>
-            <a:ext cx="2232248" cy="369332"/>
-          </a:xfrm>
-          <a:prstGeom prst="rect">
-            <a:avLst/>
-          </a:prstGeom>
-          <a:noFill/>
-        </p:spPr>
-        <p:txBody>
-          <a:bodyPr wrap="square" rtlCol="0">
-            <a:spAutoFit/>
-          </a:bodyPr>
-          <a:lstStyle/>
-          <a:p>
-            <a:r>
-              <a:rPr lang="en-GB" dirty="0" smtClean="0"/>
-              <a:t>Cellulose </a:t>
-            </a:r>
-            <a:r>
-              <a:rPr lang="en-GB" dirty="0" err="1" smtClean="0"/>
-              <a:t>nanorods</a:t>
-            </a:r>
-            <a:endParaRPr lang="en-GB" dirty="0"/>
-          </a:p>
-        </p:txBody>
-      </p:sp>
-      <p:sp>
-        <p:nvSpPr>
-          <p:cNvPr id="3" name="TextBox 2"/>
-          <p:cNvSpPr txBox="1"/>
-          <p:nvPr/>
-        </p:nvSpPr>
-        <p:spPr>
-          <a:xfrm>
-            <a:off x="5076056" y="2132855"/>
-            <a:ext cx="3419872" cy="646331"/>
-          </a:xfrm>
-          <a:prstGeom prst="rect">
-            <a:avLst/>
-          </a:prstGeom>
-          <a:noFill/>
-        </p:spPr>
-        <p:txBody>
-          <a:bodyPr wrap="square" rtlCol="0">
-            <a:spAutoFit/>
-          </a:bodyPr>
-          <a:lstStyle/>
-          <a:p>
-            <a:r>
-              <a:rPr lang="en-GB" dirty="0" smtClean="0"/>
-              <a:t>Cellulose sponge </a:t>
-            </a:r>
-            <a:r>
-              <a:rPr lang="en-GB" dirty="0" err="1" smtClean="0"/>
-              <a:t>nanofobers</a:t>
-            </a:r>
-            <a:endParaRPr lang="en-GB" dirty="0" smtClean="0"/>
-          </a:p>
-          <a:p>
-            <a:endParaRPr lang="en-GB" dirty="0"/>
-          </a:p>
-        </p:txBody>
-      </p:sp>
-    </p:spTree>
-    <p:extLst>
-      <p:ext uri="{BB962C8B-B14F-4D97-AF65-F5344CB8AC3E}">
-        <p14:creationId xmlns:p14="http://schemas.microsoft.com/office/powerpoint/2010/main" val="1656030111"/>
-      </p:ext>
-    </p:extLst>
-  </p:cSld>
-  <p:clrMapOvr>
-    <a:masterClrMapping/>
-  </p:clrMapOvr>
+  <p:timing>
+    <p:tnLst>
+      <p:par>
+        <p:cTn id="1" dur="indefinite" restart="never" nodeType="tmRoot"/>
+      </p:par>
+    </p:tnLst>
+  </p:timing>
 </p:sld>
 </file>
 
@@ -6414,16 +6446,245 @@
           <a:chExt cx="0" cy="0"/>
         </a:xfrm>
       </p:grpSpPr>
+      <p:sp>
+        <p:nvSpPr>
+          <p:cNvPr id="2" name="TextBox 1"/>
+          <p:cNvSpPr txBox="1"/>
+          <p:nvPr/>
+        </p:nvSpPr>
+        <p:spPr>
+          <a:xfrm>
+            <a:off x="1547664" y="1621956"/>
+            <a:ext cx="2232248" cy="369332"/>
+          </a:xfrm>
+          <a:prstGeom prst="rect">
+            <a:avLst/>
+          </a:prstGeom>
+          <a:noFill/>
+        </p:spPr>
+        <p:txBody>
+          <a:bodyPr wrap="square" rtlCol="0">
+            <a:spAutoFit/>
+          </a:bodyPr>
+          <a:lstStyle/>
+          <a:p>
+            <a:r>
+              <a:rPr lang="en-GB" dirty="0" smtClean="0"/>
+              <a:t>Cellulose </a:t>
+            </a:r>
+            <a:r>
+              <a:rPr lang="en-GB" dirty="0" err="1" smtClean="0"/>
+              <a:t>nanorods</a:t>
+            </a:r>
+            <a:endParaRPr lang="en-GB" dirty="0"/>
+          </a:p>
+        </p:txBody>
+      </p:sp>
+      <p:sp>
+        <p:nvSpPr>
+          <p:cNvPr id="3" name="TextBox 2"/>
+          <p:cNvSpPr txBox="1"/>
+          <p:nvPr/>
+        </p:nvSpPr>
+        <p:spPr>
+          <a:xfrm>
+            <a:off x="5076056" y="1621956"/>
+            <a:ext cx="3419872" cy="646331"/>
+          </a:xfrm>
+          <a:prstGeom prst="rect">
+            <a:avLst/>
+          </a:prstGeom>
+          <a:noFill/>
+        </p:spPr>
+        <p:txBody>
+          <a:bodyPr wrap="square" rtlCol="0">
+            <a:spAutoFit/>
+          </a:bodyPr>
+          <a:lstStyle/>
+          <a:p>
+            <a:r>
+              <a:rPr lang="en-GB" dirty="0" smtClean="0"/>
+              <a:t>Cellulose sponge </a:t>
+            </a:r>
+            <a:r>
+              <a:rPr lang="en-GB" dirty="0" err="1" smtClean="0"/>
+              <a:t>nanofibers</a:t>
+            </a:r>
+            <a:endParaRPr lang="en-GB" dirty="0" smtClean="0"/>
+          </a:p>
+          <a:p>
+            <a:endParaRPr lang="en-GB" dirty="0"/>
+          </a:p>
+        </p:txBody>
+      </p:sp>
+      <p:sp>
+        <p:nvSpPr>
+          <p:cNvPr id="4" name="TextBox 3"/>
+          <p:cNvSpPr txBox="1"/>
+          <p:nvPr/>
+        </p:nvSpPr>
+        <p:spPr>
+          <a:xfrm>
+            <a:off x="1115616" y="692696"/>
+            <a:ext cx="6912768" cy="369332"/>
+          </a:xfrm>
+          <a:prstGeom prst="rect">
+            <a:avLst/>
+          </a:prstGeom>
+          <a:noFill/>
+        </p:spPr>
+        <p:txBody>
+          <a:bodyPr wrap="square" rtlCol="0">
+            <a:spAutoFit/>
+          </a:bodyPr>
+          <a:lstStyle/>
+          <a:p>
+            <a:pPr algn="ctr"/>
+            <a:r>
+              <a:rPr lang="en-GB" dirty="0" smtClean="0"/>
+              <a:t>Cellulose components</a:t>
+            </a:r>
+            <a:endParaRPr lang="en-GB" dirty="0"/>
+          </a:p>
+        </p:txBody>
+      </p:sp>
+      <p:pic>
+        <p:nvPicPr>
+          <p:cNvPr id="5" name="Picture 4"/>
+          <p:cNvPicPr>
+            <a:picLocks noChangeAspect="1"/>
+          </p:cNvPicPr>
+          <p:nvPr/>
+        </p:nvPicPr>
+        <p:blipFill>
+          <a:blip r:embed="rId2" cstate="print">
+            <a:extLst>
+              <a:ext uri="{28A0092B-C50C-407E-A947-70E740481C1C}">
+                <a14:useLocalDpi xmlns:a14="http://schemas.microsoft.com/office/drawing/2010/main" val="0"/>
+              </a:ext>
+            </a:extLst>
+          </a:blip>
+          <a:stretch>
+            <a:fillRect/>
+          </a:stretch>
+        </p:blipFill>
+        <p:spPr>
+          <a:xfrm>
+            <a:off x="5734556" y="2018819"/>
+            <a:ext cx="2275932" cy="1786972"/>
+          </a:xfrm>
+          <a:prstGeom prst="rect">
+            <a:avLst/>
+          </a:prstGeom>
+        </p:spPr>
+      </p:pic>
+      <p:pic>
+        <p:nvPicPr>
+          <p:cNvPr id="6" name="Picture 5"/>
+          <p:cNvPicPr>
+            <a:picLocks noChangeAspect="1"/>
+          </p:cNvPicPr>
+          <p:nvPr/>
+        </p:nvPicPr>
+        <p:blipFill>
+          <a:blip r:embed="rId3" cstate="print">
+            <a:extLst>
+              <a:ext uri="{28A0092B-C50C-407E-A947-70E740481C1C}">
+                <a14:useLocalDpi xmlns:a14="http://schemas.microsoft.com/office/drawing/2010/main" val="0"/>
+              </a:ext>
+            </a:extLst>
+          </a:blip>
+          <a:stretch>
+            <a:fillRect/>
+          </a:stretch>
+        </p:blipFill>
+        <p:spPr>
+          <a:xfrm>
+            <a:off x="5723290" y="4202654"/>
+            <a:ext cx="2351059" cy="1845949"/>
+          </a:xfrm>
+          <a:prstGeom prst="rect">
+            <a:avLst/>
+          </a:prstGeom>
+        </p:spPr>
+      </p:pic>
+      <p:sp>
+        <p:nvSpPr>
+          <p:cNvPr id="7" name="TextBox 6"/>
+          <p:cNvSpPr txBox="1"/>
+          <p:nvPr/>
+        </p:nvSpPr>
+        <p:spPr>
+          <a:xfrm>
+            <a:off x="5734556" y="3805791"/>
+            <a:ext cx="2293828" cy="369332"/>
+          </a:xfrm>
+          <a:prstGeom prst="rect">
+            <a:avLst/>
+          </a:prstGeom>
+          <a:noFill/>
+        </p:spPr>
+        <p:txBody>
+          <a:bodyPr wrap="square" rtlCol="0">
+            <a:spAutoFit/>
+          </a:bodyPr>
+          <a:lstStyle/>
+          <a:p>
+            <a:r>
+              <a:rPr lang="en-GB" dirty="0" smtClean="0"/>
+              <a:t>Air dried</a:t>
+            </a:r>
+            <a:endParaRPr lang="en-GB" dirty="0"/>
+          </a:p>
+        </p:txBody>
+      </p:sp>
+      <p:sp>
+        <p:nvSpPr>
+          <p:cNvPr id="8" name="TextBox 7"/>
+          <p:cNvSpPr txBox="1"/>
+          <p:nvPr/>
+        </p:nvSpPr>
+        <p:spPr>
+          <a:xfrm>
+            <a:off x="5723290" y="6048603"/>
+            <a:ext cx="2351059" cy="646331"/>
+          </a:xfrm>
+          <a:prstGeom prst="rect">
+            <a:avLst/>
+          </a:prstGeom>
+          <a:noFill/>
+        </p:spPr>
+        <p:txBody>
+          <a:bodyPr wrap="square" rtlCol="0">
+            <a:spAutoFit/>
+          </a:bodyPr>
+          <a:lstStyle/>
+          <a:p>
+            <a:r>
+              <a:rPr lang="en-GB" dirty="0" smtClean="0"/>
+              <a:t>Vacuum dried. Collapsed</a:t>
+            </a:r>
+            <a:endParaRPr lang="en-GB" dirty="0"/>
+          </a:p>
+        </p:txBody>
+      </p:sp>
     </p:spTree>
     <p:extLst>
       <p:ext uri="{BB962C8B-B14F-4D97-AF65-F5344CB8AC3E}">
-        <p14:creationId xmlns:p14="http://schemas.microsoft.com/office/powerpoint/2010/main" val="1027748904"/>
+        <p14:creationId xmlns:p14="http://schemas.microsoft.com/office/powerpoint/2010/main" val="1656030111"/>
       </p:ext>
     </p:extLst>
   </p:cSld>
   <p:clrMapOvr>
     <a:masterClrMapping/>
   </p:clrMapOvr>
+  <p:timing>
+    <p:tnLst>
+      <p:par>
+        <p:cTn id="1" dur="indefinite" restart="never" nodeType="tmRoot"/>
+      </p:par>
+    </p:tnLst>
+  </p:timing>
 </p:sld>
 </file>
 
@@ -6446,6 +6707,230 @@
       </p:grpSpPr>
       <p:sp>
         <p:nvSpPr>
+          <p:cNvPr id="2" name="Title 1"/>
+          <p:cNvSpPr>
+            <a:spLocks noGrp="1"/>
+          </p:cNvSpPr>
+          <p:nvPr>
+            <p:ph type="title"/>
+          </p:nvPr>
+        </p:nvSpPr>
+        <p:spPr/>
+        <p:txBody>
+          <a:bodyPr>
+            <a:normAutofit fontScale="90000"/>
+          </a:bodyPr>
+          <a:lstStyle/>
+          <a:p>
+            <a:r>
+              <a:rPr lang="en-GB" dirty="0" smtClean="0"/>
+              <a:t>ZIF-8-cellulose sponges </a:t>
+            </a:r>
+            <a:br>
+              <a:rPr lang="en-GB" dirty="0" smtClean="0"/>
+            </a:br>
+            <a:r>
+              <a:rPr lang="en-GB" dirty="0" smtClean="0"/>
+              <a:t>composite</a:t>
+            </a:r>
+            <a:endParaRPr lang="en-GB" dirty="0"/>
+          </a:p>
+        </p:txBody>
+      </p:sp>
+      <p:sp>
+        <p:nvSpPr>
+          <p:cNvPr id="3" name="Content Placeholder 2"/>
+          <p:cNvSpPr>
+            <a:spLocks noGrp="1"/>
+          </p:cNvSpPr>
+          <p:nvPr>
+            <p:ph idx="1"/>
+          </p:nvPr>
+        </p:nvSpPr>
+        <p:spPr/>
+        <p:txBody>
+          <a:bodyPr/>
+          <a:lstStyle/>
+          <a:p>
+            <a:endParaRPr lang="en-GB" dirty="0"/>
+          </a:p>
+        </p:txBody>
+      </p:sp>
+    </p:spTree>
+    <p:extLst>
+      <p:ext uri="{BB962C8B-B14F-4D97-AF65-F5344CB8AC3E}">
+        <p14:creationId xmlns:p14="http://schemas.microsoft.com/office/powerpoint/2010/main" val="389602063"/>
+      </p:ext>
+    </p:extLst>
+  </p:cSld>
+  <p:clrMapOvr>
+    <a:masterClrMapping/>
+  </p:clrMapOvr>
+  <p:timing>
+    <p:tnLst>
+      <p:par>
+        <p:cTn id="1" dur="indefinite" restart="never" nodeType="tmRoot"/>
+      </p:par>
+    </p:tnLst>
+  </p:timing>
+</p:sld>
+</file>
+
+<file path=ppt/slides/slide7.xml><?xml version="1.0" encoding="utf-8"?>
+<p:sld xmlns:a="http://schemas.openxmlformats.org/drawingml/2006/main" xmlns:r="http://schemas.openxmlformats.org/officeDocument/2006/relationships" xmlns:p="http://schemas.openxmlformats.org/presentationml/2006/main">
+  <p:cSld>
+    <p:spTree>
+      <p:nvGrpSpPr>
+        <p:cNvPr id="1" name=""/>
+        <p:cNvGrpSpPr/>
+        <p:nvPr/>
+      </p:nvGrpSpPr>
+      <p:grpSpPr>
+        <a:xfrm>
+          <a:off x="0" y="0"/>
+          <a:ext cx="0" cy="0"/>
+          <a:chOff x="0" y="0"/>
+          <a:chExt cx="0" cy="0"/>
+        </a:xfrm>
+      </p:grpSpPr>
+      <p:sp>
+        <p:nvSpPr>
+          <p:cNvPr id="2" name="Title 1"/>
+          <p:cNvSpPr>
+            <a:spLocks noGrp="1"/>
+          </p:cNvSpPr>
+          <p:nvPr>
+            <p:ph type="title"/>
+          </p:nvPr>
+        </p:nvSpPr>
+        <p:spPr/>
+        <p:txBody>
+          <a:bodyPr>
+            <a:normAutofit fontScale="90000"/>
+          </a:bodyPr>
+          <a:lstStyle/>
+          <a:p>
+            <a:r>
+              <a:rPr lang="en-GB" dirty="0" smtClean="0"/>
+              <a:t>ZIF-8-cellulose </a:t>
+            </a:r>
+            <a:r>
+              <a:rPr lang="en-GB" dirty="0" err="1" smtClean="0"/>
+              <a:t>nanorods</a:t>
+            </a:r>
+            <a:r>
+              <a:rPr lang="en-GB" dirty="0" smtClean="0"/>
+              <a:t> </a:t>
+            </a:r>
+            <a:br>
+              <a:rPr lang="en-GB" dirty="0" smtClean="0"/>
+            </a:br>
+            <a:r>
+              <a:rPr lang="en-GB" dirty="0" smtClean="0"/>
+              <a:t>composite</a:t>
+            </a:r>
+            <a:endParaRPr lang="en-GB" dirty="0"/>
+          </a:p>
+        </p:txBody>
+      </p:sp>
+      <p:pic>
+        <p:nvPicPr>
+          <p:cNvPr id="4" name="Content Placeholder 3"/>
+          <p:cNvPicPr>
+            <a:picLocks noGrp="1" noChangeAspect="1"/>
+          </p:cNvPicPr>
+          <p:nvPr>
+            <p:ph idx="1"/>
+          </p:nvPr>
+        </p:nvPicPr>
+        <p:blipFill>
+          <a:blip r:embed="rId2" cstate="print">
+            <a:extLst>
+              <a:ext uri="{28A0092B-C50C-407E-A947-70E740481C1C}">
+                <a14:useLocalDpi xmlns:a14="http://schemas.microsoft.com/office/drawing/2010/main" val="0"/>
+              </a:ext>
+            </a:extLst>
+          </a:blip>
+          <a:stretch>
+            <a:fillRect/>
+          </a:stretch>
+        </p:blipFill>
+        <p:spPr>
+          <a:xfrm>
+            <a:off x="466863" y="1916832"/>
+            <a:ext cx="4319865" cy="3455892"/>
+          </a:xfrm>
+        </p:spPr>
+      </p:pic>
+      <p:pic>
+        <p:nvPicPr>
+          <p:cNvPr id="5" name="Picture 4"/>
+          <p:cNvPicPr>
+            <a:picLocks noChangeAspect="1"/>
+          </p:cNvPicPr>
+          <p:nvPr/>
+        </p:nvPicPr>
+        <p:blipFill>
+          <a:blip r:embed="rId3" cstate="print">
+            <a:extLst>
+              <a:ext uri="{28A0092B-C50C-407E-A947-70E740481C1C}">
+                <a14:useLocalDpi xmlns:a14="http://schemas.microsoft.com/office/drawing/2010/main" val="0"/>
+              </a:ext>
+            </a:extLst>
+          </a:blip>
+          <a:stretch>
+            <a:fillRect/>
+          </a:stretch>
+        </p:blipFill>
+        <p:spPr>
+          <a:xfrm>
+            <a:off x="4786728" y="1916832"/>
+            <a:ext cx="4319865" cy="3455892"/>
+          </a:xfrm>
+          <a:prstGeom prst="rect">
+            <a:avLst/>
+          </a:prstGeom>
+        </p:spPr>
+      </p:pic>
+    </p:spTree>
+    <p:extLst>
+      <p:ext uri="{BB962C8B-B14F-4D97-AF65-F5344CB8AC3E}">
+        <p14:creationId xmlns:p14="http://schemas.microsoft.com/office/powerpoint/2010/main" val="2142347147"/>
+      </p:ext>
+    </p:extLst>
+  </p:cSld>
+  <p:clrMapOvr>
+    <a:masterClrMapping/>
+  </p:clrMapOvr>
+  <p:timing>
+    <p:tnLst>
+      <p:par>
+        <p:cTn id="1" dur="indefinite" restart="never" nodeType="tmRoot"/>
+      </p:par>
+    </p:tnLst>
+  </p:timing>
+</p:sld>
+</file>
+
+<file path=ppt/slides/slide8.xml><?xml version="1.0" encoding="utf-8"?>
+<p:sld xmlns:a="http://schemas.openxmlformats.org/drawingml/2006/main" xmlns:r="http://schemas.openxmlformats.org/officeDocument/2006/relationships" xmlns:p="http://schemas.openxmlformats.org/presentationml/2006/main">
+  <p:cSld>
+    <p:spTree>
+      <p:nvGrpSpPr>
+        <p:cNvPr id="1" name=""/>
+        <p:cNvGrpSpPr/>
+        <p:nvPr/>
+      </p:nvGrpSpPr>
+      <p:grpSpPr>
+        <a:xfrm>
+          <a:off x="0" y="0"/>
+          <a:ext cx="0" cy="0"/>
+          <a:chOff x="0" y="0"/>
+          <a:chExt cx="0" cy="0"/>
+        </a:xfrm>
+      </p:grpSpPr>
+      <p:sp>
+        <p:nvSpPr>
           <p:cNvPr id="2" name="TextBox 1"/>
           <p:cNvSpPr txBox="1"/>
           <p:nvPr/>
@@ -6624,7 +7109,7 @@
       </p:sp>
       <p:pic>
         <p:nvPicPr>
-          <p:cNvPr id="2050" name="Picture 2" descr="E:\IMAGE TIFF\AT02_airdried.tif"/>
+          <p:cNvPr id="2051" name="Picture 3" descr="E:\IMAGE TIFF\at02_collapsedsponge_vacuumdried.tif"/>
           <p:cNvPicPr>
             <a:picLocks noChangeAspect="1" noChangeArrowheads="1"/>
           </p:cNvPicPr>
@@ -6632,47 +7117,6 @@
         </p:nvPicPr>
         <p:blipFill>
           <a:blip r:embed="rId2" cstate="print">
-            <a:extLst>
-              <a:ext uri="{28A0092B-C50C-407E-A947-70E740481C1C}">
-                <a14:useLocalDpi xmlns:a14="http://schemas.microsoft.com/office/drawing/2010/main" val="0"/>
-              </a:ext>
-            </a:extLst>
-          </a:blip>
-          <a:srcRect/>
-          <a:stretch>
-            <a:fillRect/>
-          </a:stretch>
-        </p:blipFill>
-        <p:spPr bwMode="auto">
-          <a:xfrm>
-            <a:off x="194348" y="3100318"/>
-            <a:ext cx="1707645" cy="1340768"/>
-          </a:xfrm>
-          <a:prstGeom prst="rect">
-            <a:avLst/>
-          </a:prstGeom>
-          <a:noFill/>
-          <a:extLst>
-            <a:ext uri="{909E8E84-426E-40DD-AFC4-6F175D3DCCD1}">
-              <a14:hiddenFill xmlns:a14="http://schemas.microsoft.com/office/drawing/2010/main">
-                <a:solidFill>
-                  <a:srgbClr val="FFFFFF"/>
-                </a:solidFill>
-              </a14:hiddenFill>
-            </a:ext>
-          </a:extLst>
-        </p:spPr>
-      </p:pic>
-      <p:pic>
-        <p:nvPicPr>
-          <p:cNvPr id="2051" name="Picture 3" descr="E:\IMAGE TIFF\at02_collapsedsponge_vacuumdried.tif"/>
-          <p:cNvPicPr>
-            <a:picLocks noChangeAspect="1" noChangeArrowheads="1"/>
-          </p:cNvPicPr>
-          <p:nvPr/>
-        </p:nvPicPr>
-        <p:blipFill>
-          <a:blip r:embed="rId3" cstate="print">
             <a:extLst>
               <a:ext uri="{28A0092B-C50C-407E-A947-70E740481C1C}">
                 <a14:useLocalDpi xmlns:a14="http://schemas.microsoft.com/office/drawing/2010/main" val="0"/>
@@ -6736,47 +7180,6 @@
       </p:sp>
       <p:pic>
         <p:nvPicPr>
-          <p:cNvPr id="2052" name="Picture 4" descr="E:\IMAGE TIFF\at02_spongeair2.tif"/>
-          <p:cNvPicPr>
-            <a:picLocks noChangeAspect="1" noChangeArrowheads="1"/>
-          </p:cNvPicPr>
-          <p:nvPr/>
-        </p:nvPicPr>
-        <p:blipFill>
-          <a:blip r:embed="rId4" cstate="print">
-            <a:extLst>
-              <a:ext uri="{28A0092B-C50C-407E-A947-70E740481C1C}">
-                <a14:useLocalDpi xmlns:a14="http://schemas.microsoft.com/office/drawing/2010/main" val="0"/>
-              </a:ext>
-            </a:extLst>
-          </a:blip>
-          <a:srcRect/>
-          <a:stretch>
-            <a:fillRect/>
-          </a:stretch>
-        </p:blipFill>
-        <p:spPr bwMode="auto">
-          <a:xfrm>
-            <a:off x="1928712" y="3100680"/>
-            <a:ext cx="1707184" cy="1340407"/>
-          </a:xfrm>
-          <a:prstGeom prst="rect">
-            <a:avLst/>
-          </a:prstGeom>
-          <a:noFill/>
-          <a:extLst>
-            <a:ext uri="{909E8E84-426E-40DD-AFC4-6F175D3DCCD1}">
-              <a14:hiddenFill xmlns:a14="http://schemas.microsoft.com/office/drawing/2010/main">
-                <a:solidFill>
-                  <a:srgbClr val="FFFFFF"/>
-                </a:solidFill>
-              </a14:hiddenFill>
-            </a:ext>
-          </a:extLst>
-        </p:spPr>
-      </p:pic>
-      <p:pic>
-        <p:nvPicPr>
           <p:cNvPr id="2053" name="Picture 5" descr="E:\IMAGE TIFF\at02_vacuum2.tif"/>
           <p:cNvPicPr>
             <a:picLocks noChangeAspect="1" noChangeArrowheads="1"/>
@@ -6784,7 +7187,7 @@
           <p:nvPr/>
         </p:nvPicPr>
         <p:blipFill>
-          <a:blip r:embed="rId5" cstate="print">
+          <a:blip r:embed="rId3" cstate="print">
             <a:extLst>
               <a:ext uri="{28A0092B-C50C-407E-A947-70E740481C1C}">
                 <a14:useLocalDpi xmlns:a14="http://schemas.microsoft.com/office/drawing/2010/main" val="0"/>
@@ -6825,7 +7228,7 @@
           <p:nvPr/>
         </p:nvPicPr>
         <p:blipFill>
-          <a:blip r:embed="rId6" cstate="print">
+          <a:blip r:embed="rId4" cstate="print">
             <a:extLst>
               <a:ext uri="{28A0092B-C50C-407E-A947-70E740481C1C}">
                 <a14:useLocalDpi xmlns:a14="http://schemas.microsoft.com/office/drawing/2010/main" val="0"/>
@@ -6866,7 +7269,7 @@
           <p:nvPr/>
         </p:nvPicPr>
         <p:blipFill>
-          <a:blip r:embed="rId7" cstate="print">
+          <a:blip r:embed="rId5" cstate="print">
             <a:extLst>
               <a:ext uri="{28A0092B-C50C-407E-A947-70E740481C1C}">
                 <a14:useLocalDpi xmlns:a14="http://schemas.microsoft.com/office/drawing/2010/main" val="0"/>
@@ -6907,7 +7310,7 @@
           <p:nvPr/>
         </p:nvPicPr>
         <p:blipFill>
-          <a:blip r:embed="rId8" cstate="print">
+          <a:blip r:embed="rId6" cstate="print">
             <a:extLst>
               <a:ext uri="{28A0092B-C50C-407E-A947-70E740481C1C}">
                 <a14:useLocalDpi xmlns:a14="http://schemas.microsoft.com/office/drawing/2010/main" val="0"/>
@@ -6948,7 +7351,7 @@
           <p:nvPr/>
         </p:nvPicPr>
         <p:blipFill>
-          <a:blip r:embed="rId9" cstate="print">
+          <a:blip r:embed="rId7" cstate="print">
             <a:extLst>
               <a:ext uri="{28A0092B-C50C-407E-A947-70E740481C1C}">
                 <a14:useLocalDpi xmlns:a14="http://schemas.microsoft.com/office/drawing/2010/main" val="0"/>
@@ -6962,7 +7365,7 @@
         </p:blipFill>
         <p:spPr bwMode="auto">
           <a:xfrm>
-            <a:off x="6675796" y="4435222"/>
+            <a:off x="5420587" y="4491420"/>
             <a:ext cx="1152128" cy="904600"/>
           </a:xfrm>
           <a:prstGeom prst="rect">
@@ -6989,7 +7392,7 @@
           <p:nvPr/>
         </p:nvPicPr>
         <p:blipFill>
-          <a:blip r:embed="rId10" cstate="print">
+          <a:blip r:embed="rId8" cstate="print">
             <a:extLst>
               <a:ext uri="{28A0092B-C50C-407E-A947-70E740481C1C}">
                 <a14:useLocalDpi xmlns:a14="http://schemas.microsoft.com/office/drawing/2010/main" val="0"/>
@@ -7021,47 +7424,253 @@
           </a:extLst>
         </p:spPr>
       </p:pic>
-      <p:pic>
-        <p:nvPicPr>
-          <p:cNvPr id="2059" name="Picture 11" descr="E:\IMAGE TIFF\at03super.tif"/>
-          <p:cNvPicPr>
-            <a:picLocks noChangeAspect="1" noChangeArrowheads="1"/>
-          </p:cNvPicPr>
+      <p:grpSp>
+        <p:nvGrpSpPr>
+          <p:cNvPr id="9" name="Group 8"/>
+          <p:cNvGrpSpPr/>
           <p:nvPr/>
-        </p:nvPicPr>
-        <p:blipFill>
-          <a:blip r:embed="rId11" cstate="print">
+        </p:nvGrpSpPr>
+        <p:grpSpPr>
+          <a:xfrm>
+            <a:off x="7183513" y="1404162"/>
+            <a:ext cx="1814143" cy="1507320"/>
+            <a:chOff x="7183513" y="1404162"/>
+            <a:chExt cx="1814143" cy="1507320"/>
+          </a:xfrm>
+        </p:grpSpPr>
+        <p:pic>
+          <p:nvPicPr>
+            <p:cNvPr id="2059" name="Picture 11" descr="E:\IMAGE TIFF\at03super.tif"/>
+            <p:cNvPicPr>
+              <a:picLocks noChangeAspect="1" noChangeArrowheads="1"/>
+            </p:cNvPicPr>
+            <p:nvPr/>
+          </p:nvPicPr>
+          <p:blipFill>
+            <a:blip r:embed="rId9" cstate="print">
+              <a:extLst>
+                <a:ext uri="{28A0092B-C50C-407E-A947-70E740481C1C}">
+                  <a14:useLocalDpi xmlns:a14="http://schemas.microsoft.com/office/drawing/2010/main" val="0"/>
+                </a:ext>
+              </a:extLst>
+            </a:blip>
+            <a:srcRect/>
+            <a:stretch>
+              <a:fillRect/>
+            </a:stretch>
+          </p:blipFill>
+          <p:spPr bwMode="auto">
+            <a:xfrm>
+              <a:off x="7290011" y="1404162"/>
+              <a:ext cx="1707645" cy="1340768"/>
+            </a:xfrm>
+            <a:prstGeom prst="rect">
+              <a:avLst/>
+            </a:prstGeom>
+            <a:noFill/>
             <a:extLst>
-              <a:ext uri="{28A0092B-C50C-407E-A947-70E740481C1C}">
-                <a14:useLocalDpi xmlns:a14="http://schemas.microsoft.com/office/drawing/2010/main" val="0"/>
+              <a:ext uri="{909E8E84-426E-40DD-AFC4-6F175D3DCCD1}">
+                <a14:hiddenFill xmlns:a14="http://schemas.microsoft.com/office/drawing/2010/main">
+                  <a:solidFill>
+                    <a:srgbClr val="FFFFFF"/>
+                  </a:solidFill>
+                </a14:hiddenFill>
               </a:ext>
             </a:extLst>
-          </a:blip>
-          <a:srcRect/>
-          <a:stretch>
-            <a:fillRect/>
-          </a:stretch>
-        </p:blipFill>
-        <p:spPr bwMode="auto">
+          </p:spPr>
+        </p:pic>
+        <p:sp>
+          <p:nvSpPr>
+            <p:cNvPr id="8" name="TextBox 7"/>
+            <p:cNvSpPr txBox="1"/>
+            <p:nvPr/>
+          </p:nvSpPr>
+          <p:spPr>
+            <a:xfrm>
+              <a:off x="7183513" y="2634483"/>
+              <a:ext cx="1814143" cy="276999"/>
+            </a:xfrm>
+            <a:prstGeom prst="rect">
+              <a:avLst/>
+            </a:prstGeom>
+            <a:noFill/>
+          </p:spPr>
+          <p:txBody>
+            <a:bodyPr wrap="square" rtlCol="0">
+              <a:spAutoFit/>
+            </a:bodyPr>
+            <a:lstStyle/>
+            <a:p>
+              <a:r>
+                <a:rPr lang="en-GB" sz="1200" dirty="0" smtClean="0"/>
+                <a:t>Supernatant HKUST-1</a:t>
+              </a:r>
+              <a:endParaRPr lang="en-GB" sz="1200" dirty="0"/>
+            </a:p>
+          </p:txBody>
+        </p:sp>
+      </p:grpSp>
+      <p:grpSp>
+        <p:nvGrpSpPr>
+          <p:cNvPr id="12" name="Group 11"/>
+          <p:cNvGrpSpPr/>
+          <p:nvPr/>
+        </p:nvGrpSpPr>
+        <p:grpSpPr>
           <a:xfrm>
-            <a:off x="7305796" y="1522405"/>
-            <a:ext cx="1707645" cy="1340768"/>
+            <a:off x="194347" y="3100318"/>
+            <a:ext cx="3441549" cy="1611903"/>
+            <a:chOff x="194347" y="3100318"/>
+            <a:chExt cx="3441549" cy="1611903"/>
+          </a:xfrm>
+        </p:grpSpPr>
+        <p:pic>
+          <p:nvPicPr>
+            <p:cNvPr id="2050" name="Picture 2" descr="E:\IMAGE TIFF\AT02_airdried.tif"/>
+            <p:cNvPicPr>
+              <a:picLocks noChangeAspect="1" noChangeArrowheads="1"/>
+            </p:cNvPicPr>
+            <p:nvPr/>
+          </p:nvPicPr>
+          <p:blipFill>
+            <a:blip r:embed="rId10" cstate="print">
+              <a:extLst>
+                <a:ext uri="{28A0092B-C50C-407E-A947-70E740481C1C}">
+                  <a14:useLocalDpi xmlns:a14="http://schemas.microsoft.com/office/drawing/2010/main" val="0"/>
+                </a:ext>
+              </a:extLst>
+            </a:blip>
+            <a:srcRect/>
+            <a:stretch>
+              <a:fillRect/>
+            </a:stretch>
+          </p:blipFill>
+          <p:spPr bwMode="auto">
+            <a:xfrm>
+              <a:off x="194348" y="3100318"/>
+              <a:ext cx="1707645" cy="1340768"/>
+            </a:xfrm>
+            <a:prstGeom prst="rect">
+              <a:avLst/>
+            </a:prstGeom>
+            <a:noFill/>
+            <a:extLst>
+              <a:ext uri="{909E8E84-426E-40DD-AFC4-6F175D3DCCD1}">
+                <a14:hiddenFill xmlns:a14="http://schemas.microsoft.com/office/drawing/2010/main">
+                  <a:solidFill>
+                    <a:srgbClr val="FFFFFF"/>
+                  </a:solidFill>
+                </a14:hiddenFill>
+              </a:ext>
+            </a:extLst>
+          </p:spPr>
+        </p:pic>
+        <p:pic>
+          <p:nvPicPr>
+            <p:cNvPr id="2052" name="Picture 4" descr="E:\IMAGE TIFF\at02_spongeair2.tif"/>
+            <p:cNvPicPr>
+              <a:picLocks noChangeAspect="1" noChangeArrowheads="1"/>
+            </p:cNvPicPr>
+            <p:nvPr/>
+          </p:nvPicPr>
+          <p:blipFill>
+            <a:blip r:embed="rId11" cstate="print">
+              <a:extLst>
+                <a:ext uri="{28A0092B-C50C-407E-A947-70E740481C1C}">
+                  <a14:useLocalDpi xmlns:a14="http://schemas.microsoft.com/office/drawing/2010/main" val="0"/>
+                </a:ext>
+              </a:extLst>
+            </a:blip>
+            <a:srcRect/>
+            <a:stretch>
+              <a:fillRect/>
+            </a:stretch>
+          </p:blipFill>
+          <p:spPr bwMode="auto">
+            <a:xfrm>
+              <a:off x="1928712" y="3100680"/>
+              <a:ext cx="1707184" cy="1340407"/>
+            </a:xfrm>
+            <a:prstGeom prst="rect">
+              <a:avLst/>
+            </a:prstGeom>
+            <a:noFill/>
+            <a:extLst>
+              <a:ext uri="{909E8E84-426E-40DD-AFC4-6F175D3DCCD1}">
+                <a14:hiddenFill xmlns:a14="http://schemas.microsoft.com/office/drawing/2010/main">
+                  <a:solidFill>
+                    <a:srgbClr val="FFFFFF"/>
+                  </a:solidFill>
+                </a14:hiddenFill>
+              </a:ext>
+            </a:extLst>
+          </p:spPr>
+        </p:pic>
+        <p:sp>
+          <p:nvSpPr>
+            <p:cNvPr id="11" name="TextBox 10"/>
+            <p:cNvSpPr txBox="1"/>
+            <p:nvPr/>
+          </p:nvSpPr>
+          <p:spPr>
+            <a:xfrm>
+              <a:off x="194347" y="4435222"/>
+              <a:ext cx="3441549" cy="276999"/>
+            </a:xfrm>
+            <a:prstGeom prst="rect">
+              <a:avLst/>
+            </a:prstGeom>
+            <a:noFill/>
+          </p:spPr>
+          <p:txBody>
+            <a:bodyPr wrap="square" rtlCol="0">
+              <a:spAutoFit/>
+            </a:bodyPr>
+            <a:lstStyle/>
+            <a:p>
+              <a:r>
+                <a:rPr lang="en-GB" sz="1200" dirty="0" smtClean="0"/>
+                <a:t>Cellulose sponge dissolved in </a:t>
+              </a:r>
+              <a:r>
+                <a:rPr lang="en-GB" sz="1200" dirty="0" err="1" smtClean="0"/>
+                <a:t>EtOH</a:t>
+              </a:r>
+              <a:endParaRPr lang="en-GB" sz="1200" dirty="0"/>
+            </a:p>
+          </p:txBody>
+        </p:sp>
+      </p:grpSp>
+      <p:sp>
+        <p:nvSpPr>
+          <p:cNvPr id="13" name="TextBox 12"/>
+          <p:cNvSpPr txBox="1"/>
+          <p:nvPr/>
+        </p:nvSpPr>
+        <p:spPr>
+          <a:xfrm>
+            <a:off x="6660232" y="4491420"/>
+            <a:ext cx="2376264" cy="276999"/>
           </a:xfrm>
           <a:prstGeom prst="rect">
             <a:avLst/>
           </a:prstGeom>
           <a:noFill/>
-          <a:extLst>
-            <a:ext uri="{909E8E84-426E-40DD-AFC4-6F175D3DCCD1}">
-              <a14:hiddenFill xmlns:a14="http://schemas.microsoft.com/office/drawing/2010/main">
-                <a:solidFill>
-                  <a:srgbClr val="FFFFFF"/>
-                </a:solidFill>
-              </a14:hiddenFill>
-            </a:ext>
-          </a:extLst>
         </p:spPr>
-      </p:pic>
+        <p:txBody>
+          <a:bodyPr wrap="square" rtlCol="0">
+            <a:spAutoFit/>
+          </a:bodyPr>
+          <a:lstStyle/>
+          <a:p>
+            <a:r>
+              <a:rPr lang="en-GB" sz="1200" dirty="0" smtClean="0"/>
+              <a:t>Cellulose sponge swelled in water</a:t>
+            </a:r>
+            <a:endParaRPr lang="en-GB" sz="1200" dirty="0"/>
+          </a:p>
+        </p:txBody>
+      </p:sp>
     </p:spTree>
     <p:extLst>
       <p:ext uri="{BB962C8B-B14F-4D97-AF65-F5344CB8AC3E}">
@@ -7072,6 +7681,100 @@
   <p:clrMapOvr>
     <a:masterClrMapping/>
   </p:clrMapOvr>
+  <p:timing>
+    <p:tnLst>
+      <p:par>
+        <p:cTn id="1" dur="indefinite" restart="never" nodeType="tmRoot"/>
+      </p:par>
+    </p:tnLst>
+  </p:timing>
+</p:sld>
+</file>
+
+<file path=ppt/slides/slide9.xml><?xml version="1.0" encoding="utf-8"?>
+<p:sld xmlns:a="http://schemas.openxmlformats.org/drawingml/2006/main" xmlns:r="http://schemas.openxmlformats.org/officeDocument/2006/relationships" xmlns:p="http://schemas.openxmlformats.org/presentationml/2006/main">
+  <p:cSld>
+    <p:spTree>
+      <p:nvGrpSpPr>
+        <p:cNvPr id="1" name=""/>
+        <p:cNvGrpSpPr/>
+        <p:nvPr/>
+      </p:nvGrpSpPr>
+      <p:grpSpPr>
+        <a:xfrm>
+          <a:off x="0" y="0"/>
+          <a:ext cx="0" cy="0"/>
+          <a:chOff x="0" y="0"/>
+          <a:chExt cx="0" cy="0"/>
+        </a:xfrm>
+      </p:grpSpPr>
+      <p:sp>
+        <p:nvSpPr>
+          <p:cNvPr id="2" name="Title 1"/>
+          <p:cNvSpPr>
+            <a:spLocks noGrp="1"/>
+          </p:cNvSpPr>
+          <p:nvPr>
+            <p:ph type="title"/>
+          </p:nvPr>
+        </p:nvSpPr>
+        <p:spPr/>
+        <p:txBody>
+          <a:bodyPr/>
+          <a:lstStyle/>
+          <a:p>
+            <a:r>
+              <a:rPr lang="en-GB" dirty="0" smtClean="0"/>
+              <a:t>HKUST-1/</a:t>
+            </a:r>
+            <a:r>
+              <a:rPr lang="en-GB" dirty="0" err="1" smtClean="0"/>
+              <a:t>nanorods</a:t>
+            </a:r>
+            <a:r>
+              <a:rPr lang="en-GB" dirty="0" smtClean="0"/>
+              <a:t> composite</a:t>
+            </a:r>
+            <a:endParaRPr lang="en-GB" dirty="0"/>
+          </a:p>
+        </p:txBody>
+      </p:sp>
+      <p:sp>
+        <p:nvSpPr>
+          <p:cNvPr id="3" name="Content Placeholder 2"/>
+          <p:cNvSpPr>
+            <a:spLocks noGrp="1"/>
+          </p:cNvSpPr>
+          <p:nvPr>
+            <p:ph idx="1"/>
+          </p:nvPr>
+        </p:nvSpPr>
+        <p:spPr/>
+        <p:txBody>
+          <a:bodyPr/>
+          <a:lstStyle/>
+          <a:p>
+            <a:endParaRPr lang="en-GB" dirty="0"/>
+          </a:p>
+        </p:txBody>
+      </p:sp>
+    </p:spTree>
+    <p:extLst>
+      <p:ext uri="{BB962C8B-B14F-4D97-AF65-F5344CB8AC3E}">
+        <p14:creationId xmlns:p14="http://schemas.microsoft.com/office/powerpoint/2010/main" val="1027748904"/>
+      </p:ext>
+    </p:extLst>
+  </p:cSld>
+  <p:clrMapOvr>
+    <a:masterClrMapping/>
+  </p:clrMapOvr>
+  <p:timing>
+    <p:tnLst>
+      <p:par>
+        <p:cTn id="1" dur="indefinite" restart="never" nodeType="tmRoot"/>
+      </p:par>
+    </p:tnLst>
+  </p:timing>
 </p:sld>
 </file>
 
